--- a/Docs/Ag Aid Presentation.pptx
+++ b/Docs/Ag Aid Presentation.pptx
@@ -4,17 +4,21 @@
   <p:sldMasterIdLst>
     <p:sldMasterId id="2147483648" r:id="rId1"/>
   </p:sldMasterIdLst>
+  <p:notesMasterIdLst>
+    <p:notesMasterId r:id="rId13"/>
+  </p:notesMasterIdLst>
   <p:sldIdLst>
     <p:sldId id="256" r:id="rId2"/>
     <p:sldId id="257" r:id="rId3"/>
-    <p:sldId id="258" r:id="rId4"/>
-    <p:sldId id="259" r:id="rId5"/>
-    <p:sldId id="260" r:id="rId6"/>
+    <p:sldId id="266" r:id="rId4"/>
+    <p:sldId id="258" r:id="rId5"/>
+    <p:sldId id="267" r:id="rId6"/>
     <p:sldId id="261" r:id="rId7"/>
-    <p:sldId id="262" r:id="rId8"/>
-    <p:sldId id="263" r:id="rId9"/>
-    <p:sldId id="264" r:id="rId10"/>
-    <p:sldId id="265" r:id="rId11"/>
+    <p:sldId id="268" r:id="rId8"/>
+    <p:sldId id="270" r:id="rId9"/>
+    <p:sldId id="269" r:id="rId10"/>
+    <p:sldId id="263" r:id="rId11"/>
+    <p:sldId id="264" r:id="rId12"/>
   </p:sldIdLst>
   <p:sldSz cx="12192000" cy="6858000"/>
   <p:notesSz cx="6858000" cy="9144000"/>
@@ -113,7 +117,469 @@
       </a:defRPr>
     </a:lvl9pPr>
   </p:defaultTextStyle>
+  <p:extLst>
+    <p:ext uri="{EFAFB233-063F-42B5-8137-9DF3F51BA10A}">
+      <p15:sldGuideLst xmlns:p15="http://schemas.microsoft.com/office/powerpoint/2012/main"/>
+    </p:ext>
+  </p:extLst>
 </p:presentation>
+</file>
+
+<file path=ppt/commentAuthors.xml><?xml version="1.0" encoding="utf-8"?>
+<p:cmAuthorLst xmlns:a="http://schemas.openxmlformats.org/drawingml/2006/main" xmlns:r="http://schemas.openxmlformats.org/officeDocument/2006/relationships" xmlns:p="http://schemas.openxmlformats.org/presentationml/2006/main">
+  <p:cmAuthor id="1" name="Carine Ayidehou" initials="CA" lastIdx="1" clrIdx="0">
+    <p:extLst>
+      <p:ext uri="{19B8F6BF-5375-455C-9EA6-DF929625EA0E}">
+        <p15:presenceInfo xmlns:p15="http://schemas.microsoft.com/office/powerpoint/2012/main" userId="S::CAYIDEHOU@student.umuc.edu::278e808c-3952-4a84-ae8e-762e06fcff05" providerId="AD"/>
+      </p:ext>
+    </p:extLst>
+  </p:cmAuthor>
+</p:cmAuthorLst>
+</file>
+
+<file path=ppt/notesMasters/notesMaster1.xml><?xml version="1.0" encoding="utf-8"?>
+<p:notesMaster xmlns:a="http://schemas.openxmlformats.org/drawingml/2006/main" xmlns:r="http://schemas.openxmlformats.org/officeDocument/2006/relationships" xmlns:p="http://schemas.openxmlformats.org/presentationml/2006/main">
+  <p:cSld>
+    <p:bg>
+      <p:bgRef idx="1001">
+        <a:schemeClr val="bg1"/>
+      </p:bgRef>
+    </p:bg>
+    <p:spTree>
+      <p:nvGrpSpPr>
+        <p:cNvPr id="1" name=""/>
+        <p:cNvGrpSpPr/>
+        <p:nvPr/>
+      </p:nvGrpSpPr>
+      <p:grpSpPr>
+        <a:xfrm>
+          <a:off x="0" y="0"/>
+          <a:ext cx="0" cy="0"/>
+          <a:chOff x="0" y="0"/>
+          <a:chExt cx="0" cy="0"/>
+        </a:xfrm>
+      </p:grpSpPr>
+      <p:sp>
+        <p:nvSpPr>
+          <p:cNvPr id="2" name="Header Placeholder 1"/>
+          <p:cNvSpPr>
+            <a:spLocks noGrp="1"/>
+          </p:cNvSpPr>
+          <p:nvPr>
+            <p:ph type="hdr" sz="quarter"/>
+          </p:nvPr>
+        </p:nvSpPr>
+        <p:spPr>
+          <a:xfrm>
+            <a:off x="0" y="0"/>
+            <a:ext cx="2971800" cy="458788"/>
+          </a:xfrm>
+          <a:prstGeom prst="rect">
+            <a:avLst/>
+          </a:prstGeom>
+        </p:spPr>
+        <p:txBody>
+          <a:bodyPr vert="horz" lIns="91440" tIns="45720" rIns="91440" bIns="45720" rtlCol="0"/>
+          <a:lstStyle>
+            <a:lvl1pPr algn="l">
+              <a:defRPr sz="1200"/>
+            </a:lvl1pPr>
+          </a:lstStyle>
+          <a:p>
+            <a:endParaRPr lang="en-US"/>
+          </a:p>
+        </p:txBody>
+      </p:sp>
+      <p:sp>
+        <p:nvSpPr>
+          <p:cNvPr id="3" name="Date Placeholder 2"/>
+          <p:cNvSpPr>
+            <a:spLocks noGrp="1"/>
+          </p:cNvSpPr>
+          <p:nvPr>
+            <p:ph type="dt" idx="1"/>
+          </p:nvPr>
+        </p:nvSpPr>
+        <p:spPr>
+          <a:xfrm>
+            <a:off x="3884613" y="0"/>
+            <a:ext cx="2971800" cy="458788"/>
+          </a:xfrm>
+          <a:prstGeom prst="rect">
+            <a:avLst/>
+          </a:prstGeom>
+        </p:spPr>
+        <p:txBody>
+          <a:bodyPr vert="horz" lIns="91440" tIns="45720" rIns="91440" bIns="45720" rtlCol="0"/>
+          <a:lstStyle>
+            <a:lvl1pPr algn="r">
+              <a:defRPr sz="1200"/>
+            </a:lvl1pPr>
+          </a:lstStyle>
+          <a:p>
+            <a:fld id="{695CCB7A-1E45-4659-B57A-F932641FF722}" type="datetimeFigureOut">
+              <a:rPr lang="en-US" smtClean="0"/>
+              <a:t>1/11/2020</a:t>
+            </a:fld>
+            <a:endParaRPr lang="en-US"/>
+          </a:p>
+        </p:txBody>
+      </p:sp>
+      <p:sp>
+        <p:nvSpPr>
+          <p:cNvPr id="4" name="Slide Image Placeholder 3"/>
+          <p:cNvSpPr>
+            <a:spLocks noGrp="1" noRot="1" noChangeAspect="1"/>
+          </p:cNvSpPr>
+          <p:nvPr>
+            <p:ph type="sldImg" idx="2"/>
+          </p:nvPr>
+        </p:nvSpPr>
+        <p:spPr>
+          <a:xfrm>
+            <a:off x="685800" y="1143000"/>
+            <a:ext cx="5486400" cy="3086100"/>
+          </a:xfrm>
+          <a:prstGeom prst="rect">
+            <a:avLst/>
+          </a:prstGeom>
+          <a:noFill/>
+          <a:ln w="12700">
+            <a:solidFill>
+              <a:prstClr val="black"/>
+            </a:solidFill>
+          </a:ln>
+        </p:spPr>
+        <p:txBody>
+          <a:bodyPr vert="horz" lIns="91440" tIns="45720" rIns="91440" bIns="45720" rtlCol="0" anchor="ctr"/>
+          <a:lstStyle/>
+          <a:p>
+            <a:endParaRPr lang="en-US"/>
+          </a:p>
+        </p:txBody>
+      </p:sp>
+      <p:sp>
+        <p:nvSpPr>
+          <p:cNvPr id="5" name="Notes Placeholder 4"/>
+          <p:cNvSpPr>
+            <a:spLocks noGrp="1"/>
+          </p:cNvSpPr>
+          <p:nvPr>
+            <p:ph type="body" sz="quarter" idx="3"/>
+          </p:nvPr>
+        </p:nvSpPr>
+        <p:spPr>
+          <a:xfrm>
+            <a:off x="685800" y="4400550"/>
+            <a:ext cx="5486400" cy="3600450"/>
+          </a:xfrm>
+          <a:prstGeom prst="rect">
+            <a:avLst/>
+          </a:prstGeom>
+        </p:spPr>
+        <p:txBody>
+          <a:bodyPr vert="horz" lIns="91440" tIns="45720" rIns="91440" bIns="45720" rtlCol="0"/>
+          <a:lstStyle/>
+          <a:p>
+            <a:pPr lvl="0"/>
+            <a:r>
+              <a:rPr lang="en-US"/>
+              <a:t>Click to edit Master text styles</a:t>
+            </a:r>
+          </a:p>
+          <a:p>
+            <a:pPr lvl="1"/>
+            <a:r>
+              <a:rPr lang="en-US"/>
+              <a:t>Second level</a:t>
+            </a:r>
+          </a:p>
+          <a:p>
+            <a:pPr lvl="2"/>
+            <a:r>
+              <a:rPr lang="en-US"/>
+              <a:t>Third level</a:t>
+            </a:r>
+          </a:p>
+          <a:p>
+            <a:pPr lvl="3"/>
+            <a:r>
+              <a:rPr lang="en-US"/>
+              <a:t>Fourth level</a:t>
+            </a:r>
+          </a:p>
+          <a:p>
+            <a:pPr lvl="4"/>
+            <a:r>
+              <a:rPr lang="en-US"/>
+              <a:t>Fifth level</a:t>
+            </a:r>
+          </a:p>
+        </p:txBody>
+      </p:sp>
+      <p:sp>
+        <p:nvSpPr>
+          <p:cNvPr id="6" name="Footer Placeholder 5"/>
+          <p:cNvSpPr>
+            <a:spLocks noGrp="1"/>
+          </p:cNvSpPr>
+          <p:nvPr>
+            <p:ph type="ftr" sz="quarter" idx="4"/>
+          </p:nvPr>
+        </p:nvSpPr>
+        <p:spPr>
+          <a:xfrm>
+            <a:off x="0" y="8685213"/>
+            <a:ext cx="2971800" cy="458787"/>
+          </a:xfrm>
+          <a:prstGeom prst="rect">
+            <a:avLst/>
+          </a:prstGeom>
+        </p:spPr>
+        <p:txBody>
+          <a:bodyPr vert="horz" lIns="91440" tIns="45720" rIns="91440" bIns="45720" rtlCol="0" anchor="b"/>
+          <a:lstStyle>
+            <a:lvl1pPr algn="l">
+              <a:defRPr sz="1200"/>
+            </a:lvl1pPr>
+          </a:lstStyle>
+          <a:p>
+            <a:endParaRPr lang="en-US"/>
+          </a:p>
+        </p:txBody>
+      </p:sp>
+      <p:sp>
+        <p:nvSpPr>
+          <p:cNvPr id="7" name="Slide Number Placeholder 6"/>
+          <p:cNvSpPr>
+            <a:spLocks noGrp="1"/>
+          </p:cNvSpPr>
+          <p:nvPr>
+            <p:ph type="sldNum" sz="quarter" idx="5"/>
+          </p:nvPr>
+        </p:nvSpPr>
+        <p:spPr>
+          <a:xfrm>
+            <a:off x="3884613" y="8685213"/>
+            <a:ext cx="2971800" cy="458787"/>
+          </a:xfrm>
+          <a:prstGeom prst="rect">
+            <a:avLst/>
+          </a:prstGeom>
+        </p:spPr>
+        <p:txBody>
+          <a:bodyPr vert="horz" lIns="91440" tIns="45720" rIns="91440" bIns="45720" rtlCol="0" anchor="b"/>
+          <a:lstStyle>
+            <a:lvl1pPr algn="r">
+              <a:defRPr sz="1200"/>
+            </a:lvl1pPr>
+          </a:lstStyle>
+          <a:p>
+            <a:fld id="{17B86049-569F-4D0D-8AB9-37E33D03A62F}" type="slidenum">
+              <a:rPr lang="en-US" smtClean="0"/>
+              <a:t>‹#›</a:t>
+            </a:fld>
+            <a:endParaRPr lang="en-US"/>
+          </a:p>
+        </p:txBody>
+      </p:sp>
+    </p:spTree>
+    <p:extLst>
+      <p:ext uri="{BB962C8B-B14F-4D97-AF65-F5344CB8AC3E}">
+        <p14:creationId xmlns:p14="http://schemas.microsoft.com/office/powerpoint/2010/main" val="3629815088"/>
+      </p:ext>
+    </p:extLst>
+  </p:cSld>
+  <p:clrMap bg1="lt1" tx1="dk1" bg2="lt2" tx2="dk2" accent1="accent1" accent2="accent2" accent3="accent3" accent4="accent4" accent5="accent5" accent6="accent6" hlink="hlink" folHlink="folHlink"/>
+  <p:notesStyle>
+    <a:lvl1pPr marL="0" algn="l" defTabSz="914400" rtl="0" eaLnBrk="1" latinLnBrk="0" hangingPunct="1">
+      <a:defRPr sz="1200" kern="1200">
+        <a:solidFill>
+          <a:schemeClr val="tx1"/>
+        </a:solidFill>
+        <a:latin typeface="+mn-lt"/>
+        <a:ea typeface="+mn-ea"/>
+        <a:cs typeface="+mn-cs"/>
+      </a:defRPr>
+    </a:lvl1pPr>
+    <a:lvl2pPr marL="457200" algn="l" defTabSz="914400" rtl="0" eaLnBrk="1" latinLnBrk="0" hangingPunct="1">
+      <a:defRPr sz="1200" kern="1200">
+        <a:solidFill>
+          <a:schemeClr val="tx1"/>
+        </a:solidFill>
+        <a:latin typeface="+mn-lt"/>
+        <a:ea typeface="+mn-ea"/>
+        <a:cs typeface="+mn-cs"/>
+      </a:defRPr>
+    </a:lvl2pPr>
+    <a:lvl3pPr marL="914400" algn="l" defTabSz="914400" rtl="0" eaLnBrk="1" latinLnBrk="0" hangingPunct="1">
+      <a:defRPr sz="1200" kern="1200">
+        <a:solidFill>
+          <a:schemeClr val="tx1"/>
+        </a:solidFill>
+        <a:latin typeface="+mn-lt"/>
+        <a:ea typeface="+mn-ea"/>
+        <a:cs typeface="+mn-cs"/>
+      </a:defRPr>
+    </a:lvl3pPr>
+    <a:lvl4pPr marL="1371600" algn="l" defTabSz="914400" rtl="0" eaLnBrk="1" latinLnBrk="0" hangingPunct="1">
+      <a:defRPr sz="1200" kern="1200">
+        <a:solidFill>
+          <a:schemeClr val="tx1"/>
+        </a:solidFill>
+        <a:latin typeface="+mn-lt"/>
+        <a:ea typeface="+mn-ea"/>
+        <a:cs typeface="+mn-cs"/>
+      </a:defRPr>
+    </a:lvl4pPr>
+    <a:lvl5pPr marL="1828800" algn="l" defTabSz="914400" rtl="0" eaLnBrk="1" latinLnBrk="0" hangingPunct="1">
+      <a:defRPr sz="1200" kern="1200">
+        <a:solidFill>
+          <a:schemeClr val="tx1"/>
+        </a:solidFill>
+        <a:latin typeface="+mn-lt"/>
+        <a:ea typeface="+mn-ea"/>
+        <a:cs typeface="+mn-cs"/>
+      </a:defRPr>
+    </a:lvl5pPr>
+    <a:lvl6pPr marL="2286000" algn="l" defTabSz="914400" rtl="0" eaLnBrk="1" latinLnBrk="0" hangingPunct="1">
+      <a:defRPr sz="1200" kern="1200">
+        <a:solidFill>
+          <a:schemeClr val="tx1"/>
+        </a:solidFill>
+        <a:latin typeface="+mn-lt"/>
+        <a:ea typeface="+mn-ea"/>
+        <a:cs typeface="+mn-cs"/>
+      </a:defRPr>
+    </a:lvl6pPr>
+    <a:lvl7pPr marL="2743200" algn="l" defTabSz="914400" rtl="0" eaLnBrk="1" latinLnBrk="0" hangingPunct="1">
+      <a:defRPr sz="1200" kern="1200">
+        <a:solidFill>
+          <a:schemeClr val="tx1"/>
+        </a:solidFill>
+        <a:latin typeface="+mn-lt"/>
+        <a:ea typeface="+mn-ea"/>
+        <a:cs typeface="+mn-cs"/>
+      </a:defRPr>
+    </a:lvl7pPr>
+    <a:lvl8pPr marL="3200400" algn="l" defTabSz="914400" rtl="0" eaLnBrk="1" latinLnBrk="0" hangingPunct="1">
+      <a:defRPr sz="1200" kern="1200">
+        <a:solidFill>
+          <a:schemeClr val="tx1"/>
+        </a:solidFill>
+        <a:latin typeface="+mn-lt"/>
+        <a:ea typeface="+mn-ea"/>
+        <a:cs typeface="+mn-cs"/>
+      </a:defRPr>
+    </a:lvl8pPr>
+    <a:lvl9pPr marL="3657600" algn="l" defTabSz="914400" rtl="0" eaLnBrk="1" latinLnBrk="0" hangingPunct="1">
+      <a:defRPr sz="1200" kern="1200">
+        <a:solidFill>
+          <a:schemeClr val="tx1"/>
+        </a:solidFill>
+        <a:latin typeface="+mn-lt"/>
+        <a:ea typeface="+mn-ea"/>
+        <a:cs typeface="+mn-cs"/>
+      </a:defRPr>
+    </a:lvl9pPr>
+  </p:notesStyle>
+</p:notesMaster>
+</file>
+
+<file path=ppt/notesSlides/notesSlide1.xml><?xml version="1.0" encoding="utf-8"?>
+<p:notes xmlns:a="http://schemas.openxmlformats.org/drawingml/2006/main" xmlns:r="http://schemas.openxmlformats.org/officeDocument/2006/relationships" xmlns:p="http://schemas.openxmlformats.org/presentationml/2006/main">
+  <p:cSld>
+    <p:spTree>
+      <p:nvGrpSpPr>
+        <p:cNvPr id="1" name=""/>
+        <p:cNvGrpSpPr/>
+        <p:nvPr/>
+      </p:nvGrpSpPr>
+      <p:grpSpPr>
+        <a:xfrm>
+          <a:off x="0" y="0"/>
+          <a:ext cx="0" cy="0"/>
+          <a:chOff x="0" y="0"/>
+          <a:chExt cx="0" cy="0"/>
+        </a:xfrm>
+      </p:grpSpPr>
+      <p:sp>
+        <p:nvSpPr>
+          <p:cNvPr id="2" name="Slide Image Placeholder 1"/>
+          <p:cNvSpPr>
+            <a:spLocks noGrp="1" noRot="1" noChangeAspect="1"/>
+          </p:cNvSpPr>
+          <p:nvPr>
+            <p:ph type="sldImg"/>
+          </p:nvPr>
+        </p:nvSpPr>
+        <p:spPr/>
+      </p:sp>
+      <p:sp>
+        <p:nvSpPr>
+          <p:cNvPr id="3" name="Notes Placeholder 2"/>
+          <p:cNvSpPr>
+            <a:spLocks noGrp="1"/>
+          </p:cNvSpPr>
+          <p:nvPr>
+            <p:ph type="body" idx="1"/>
+          </p:nvPr>
+        </p:nvSpPr>
+        <p:spPr/>
+        <p:txBody>
+          <a:bodyPr/>
+          <a:lstStyle/>
+          <a:p>
+            <a:r>
+              <a:rPr lang="en-US" sz="1200" kern="1200" dirty="0">
+                <a:solidFill>
+                  <a:schemeClr val="tx1"/>
+                </a:solidFill>
+                <a:effectLst/>
+                <a:latin typeface="+mn-lt"/>
+                <a:ea typeface="+mn-ea"/>
+                <a:cs typeface="+mn-cs"/>
+              </a:rPr>
+              <a:t>Food Security is a situation "...when all people, at all times, have physical, social and economic access to sufficient, safe and nutritious food to meet dietary needs for a productive and healthy life" (UN, 2014)</a:t>
+            </a:r>
+            <a:endParaRPr lang="en-US" dirty="0"/>
+          </a:p>
+        </p:txBody>
+      </p:sp>
+      <p:sp>
+        <p:nvSpPr>
+          <p:cNvPr id="4" name="Slide Number Placeholder 3"/>
+          <p:cNvSpPr>
+            <a:spLocks noGrp="1"/>
+          </p:cNvSpPr>
+          <p:nvPr>
+            <p:ph type="sldNum" sz="quarter" idx="5"/>
+          </p:nvPr>
+        </p:nvSpPr>
+        <p:spPr/>
+        <p:txBody>
+          <a:bodyPr/>
+          <a:lstStyle/>
+          <a:p>
+            <a:fld id="{17B86049-569F-4D0D-8AB9-37E33D03A62F}" type="slidenum">
+              <a:rPr lang="en-US" smtClean="0"/>
+              <a:t>2</a:t>
+            </a:fld>
+            <a:endParaRPr lang="en-US"/>
+          </a:p>
+        </p:txBody>
+      </p:sp>
+    </p:spTree>
+    <p:extLst>
+      <p:ext uri="{BB962C8B-B14F-4D97-AF65-F5344CB8AC3E}">
+        <p14:creationId xmlns:p14="http://schemas.microsoft.com/office/powerpoint/2010/main" val="1601529536"/>
+      </p:ext>
+    </p:extLst>
+  </p:cSld>
+  <p:clrMapOvr>
+    <a:masterClrMapping/>
+  </p:clrMapOvr>
+</p:notes>
 </file>
 
 <file path=ppt/slideLayouts/slideLayout1.xml><?xml version="1.0" encoding="utf-8"?>
@@ -263,7 +729,7 @@
           <a:p>
             <a:fld id="{F21CBD3F-97F8-42E8-BC3D-B987F7BE3668}" type="datetimeFigureOut">
               <a:rPr lang="en-US" smtClean="0"/>
-              <a:t>1/7/2020</a:t>
+              <a:t>1/11/2020</a:t>
             </a:fld>
             <a:endParaRPr lang="en-US"/>
           </a:p>
@@ -461,7 +927,7 @@
           <a:p>
             <a:fld id="{F21CBD3F-97F8-42E8-BC3D-B987F7BE3668}" type="datetimeFigureOut">
               <a:rPr lang="en-US" smtClean="0"/>
-              <a:t>1/7/2020</a:t>
+              <a:t>1/11/2020</a:t>
             </a:fld>
             <a:endParaRPr lang="en-US"/>
           </a:p>
@@ -669,7 +1135,7 @@
           <a:p>
             <a:fld id="{F21CBD3F-97F8-42E8-BC3D-B987F7BE3668}" type="datetimeFigureOut">
               <a:rPr lang="en-US" smtClean="0"/>
-              <a:t>1/7/2020</a:t>
+              <a:t>1/11/2020</a:t>
             </a:fld>
             <a:endParaRPr lang="en-US"/>
           </a:p>
@@ -867,7 +1333,7 @@
           <a:p>
             <a:fld id="{F21CBD3F-97F8-42E8-BC3D-B987F7BE3668}" type="datetimeFigureOut">
               <a:rPr lang="en-US" smtClean="0"/>
-              <a:t>1/7/2020</a:t>
+              <a:t>1/11/2020</a:t>
             </a:fld>
             <a:endParaRPr lang="en-US"/>
           </a:p>
@@ -1142,7 +1608,7 @@
           <a:p>
             <a:fld id="{F21CBD3F-97F8-42E8-BC3D-B987F7BE3668}" type="datetimeFigureOut">
               <a:rPr lang="en-US" smtClean="0"/>
-              <a:t>1/7/2020</a:t>
+              <a:t>1/11/2020</a:t>
             </a:fld>
             <a:endParaRPr lang="en-US"/>
           </a:p>
@@ -1407,7 +1873,7 @@
           <a:p>
             <a:fld id="{F21CBD3F-97F8-42E8-BC3D-B987F7BE3668}" type="datetimeFigureOut">
               <a:rPr lang="en-US" smtClean="0"/>
-              <a:t>1/7/2020</a:t>
+              <a:t>1/11/2020</a:t>
             </a:fld>
             <a:endParaRPr lang="en-US"/>
           </a:p>
@@ -1819,7 +2285,7 @@
           <a:p>
             <a:fld id="{F21CBD3F-97F8-42E8-BC3D-B987F7BE3668}" type="datetimeFigureOut">
               <a:rPr lang="en-US" smtClean="0"/>
-              <a:t>1/7/2020</a:t>
+              <a:t>1/11/2020</a:t>
             </a:fld>
             <a:endParaRPr lang="en-US"/>
           </a:p>
@@ -1960,7 +2426,7 @@
           <a:p>
             <a:fld id="{F21CBD3F-97F8-42E8-BC3D-B987F7BE3668}" type="datetimeFigureOut">
               <a:rPr lang="en-US" smtClean="0"/>
-              <a:t>1/7/2020</a:t>
+              <a:t>1/11/2020</a:t>
             </a:fld>
             <a:endParaRPr lang="en-US"/>
           </a:p>
@@ -2073,7 +2539,7 @@
           <a:p>
             <a:fld id="{F21CBD3F-97F8-42E8-BC3D-B987F7BE3668}" type="datetimeFigureOut">
               <a:rPr lang="en-US" smtClean="0"/>
-              <a:t>1/7/2020</a:t>
+              <a:t>1/11/2020</a:t>
             </a:fld>
             <a:endParaRPr lang="en-US"/>
           </a:p>
@@ -2384,7 +2850,7 @@
           <a:p>
             <a:fld id="{F21CBD3F-97F8-42E8-BC3D-B987F7BE3668}" type="datetimeFigureOut">
               <a:rPr lang="en-US" smtClean="0"/>
-              <a:t>1/7/2020</a:t>
+              <a:t>1/11/2020</a:t>
             </a:fld>
             <a:endParaRPr lang="en-US"/>
           </a:p>
@@ -2672,7 +3138,7 @@
           <a:p>
             <a:fld id="{F21CBD3F-97F8-42E8-BC3D-B987F7BE3668}" type="datetimeFigureOut">
               <a:rPr lang="en-US" smtClean="0"/>
-              <a:t>1/7/2020</a:t>
+              <a:t>1/11/2020</a:t>
             </a:fld>
             <a:endParaRPr lang="en-US"/>
           </a:p>
@@ -2913,7 +3379,7 @@
           <a:p>
             <a:fld id="{F21CBD3F-97F8-42E8-BC3D-B987F7BE3668}" type="datetimeFigureOut">
               <a:rPr lang="en-US" smtClean="0"/>
-              <a:t>1/7/2020</a:t>
+              <a:t>1/11/2020</a:t>
             </a:fld>
             <a:endParaRPr lang="en-US"/>
           </a:p>
@@ -3455,7 +3921,7 @@
           <p:cNvPr id="2" name="Title 1">
             <a:extLst>
               <a:ext uri="{FF2B5EF4-FFF2-40B4-BE49-F238E27FC236}">
-                <a16:creationId xmlns:a16="http://schemas.microsoft.com/office/drawing/2014/main" id="{45659E65-7421-47E6-8400-93EFDD16FFD3}"/>
+                <a16:creationId xmlns:a16="http://schemas.microsoft.com/office/drawing/2014/main" id="{E8C39978-C640-406F-867C-0BF270B011BA}"/>
               </a:ext>
             </a:extLst>
           </p:cNvPr>
@@ -3472,8 +3938,8 @@
           <a:lstStyle/>
           <a:p>
             <a:r>
-              <a:rPr lang="en-US"/>
-              <a:t>Questions</a:t>
+              <a:rPr lang="en-US" dirty="0"/>
+              <a:t>Results</a:t>
             </a:r>
           </a:p>
         </p:txBody>
@@ -3483,7 +3949,7 @@
           <p:cNvPr id="3" name="Content Placeholder 2">
             <a:extLst>
               <a:ext uri="{FF2B5EF4-FFF2-40B4-BE49-F238E27FC236}">
-                <a16:creationId xmlns:a16="http://schemas.microsoft.com/office/drawing/2014/main" id="{D1955A60-C277-47D1-B0A3-9A8A2DB68D23}"/>
+                <a16:creationId xmlns:a16="http://schemas.microsoft.com/office/drawing/2014/main" id="{794DDCC2-E30D-483B-92C8-1DF5AC6A733B}"/>
               </a:ext>
             </a:extLst>
           </p:cNvPr>
@@ -3506,7 +3972,90 @@
     </p:spTree>
     <p:extLst>
       <p:ext uri="{BB962C8B-B14F-4D97-AF65-F5344CB8AC3E}">
-        <p14:creationId xmlns:p14="http://schemas.microsoft.com/office/powerpoint/2010/main" val="940131338"/>
+        <p14:creationId xmlns:p14="http://schemas.microsoft.com/office/powerpoint/2010/main" val="4113702296"/>
+      </p:ext>
+    </p:extLst>
+  </p:cSld>
+  <p:clrMapOvr>
+    <a:masterClrMapping/>
+  </p:clrMapOvr>
+</p:sld>
+</file>
+
+<file path=ppt/slides/slide11.xml><?xml version="1.0" encoding="utf-8"?>
+<p:sld xmlns:a="http://schemas.openxmlformats.org/drawingml/2006/main" xmlns:r="http://schemas.openxmlformats.org/officeDocument/2006/relationships" xmlns:p="http://schemas.openxmlformats.org/presentationml/2006/main">
+  <p:cSld>
+    <p:spTree>
+      <p:nvGrpSpPr>
+        <p:cNvPr id="1" name=""/>
+        <p:cNvGrpSpPr/>
+        <p:nvPr/>
+      </p:nvGrpSpPr>
+      <p:grpSpPr>
+        <a:xfrm>
+          <a:off x="0" y="0"/>
+          <a:ext cx="0" cy="0"/>
+          <a:chOff x="0" y="0"/>
+          <a:chExt cx="0" cy="0"/>
+        </a:xfrm>
+      </p:grpSpPr>
+      <p:sp>
+        <p:nvSpPr>
+          <p:cNvPr id="2" name="Title 1">
+            <a:extLst>
+              <a:ext uri="{FF2B5EF4-FFF2-40B4-BE49-F238E27FC236}">
+                <a16:creationId xmlns:a16="http://schemas.microsoft.com/office/drawing/2014/main" id="{01558D2B-C9F1-459B-ACD5-B40B197D195D}"/>
+              </a:ext>
+            </a:extLst>
+          </p:cNvPr>
+          <p:cNvSpPr>
+            <a:spLocks noGrp="1"/>
+          </p:cNvSpPr>
+          <p:nvPr>
+            <p:ph type="title"/>
+          </p:nvPr>
+        </p:nvSpPr>
+        <p:spPr/>
+        <p:txBody>
+          <a:bodyPr/>
+          <a:lstStyle/>
+          <a:p>
+            <a:r>
+              <a:rPr lang="en-US" dirty="0"/>
+              <a:t>Conclusion and Recommendation</a:t>
+            </a:r>
+          </a:p>
+        </p:txBody>
+      </p:sp>
+      <p:sp>
+        <p:nvSpPr>
+          <p:cNvPr id="3" name="Content Placeholder 2">
+            <a:extLst>
+              <a:ext uri="{FF2B5EF4-FFF2-40B4-BE49-F238E27FC236}">
+                <a16:creationId xmlns:a16="http://schemas.microsoft.com/office/drawing/2014/main" id="{18B53D13-53FE-489C-822D-241F8A948A24}"/>
+              </a:ext>
+            </a:extLst>
+          </p:cNvPr>
+          <p:cNvSpPr>
+            <a:spLocks noGrp="1"/>
+          </p:cNvSpPr>
+          <p:nvPr>
+            <p:ph idx="1"/>
+          </p:nvPr>
+        </p:nvSpPr>
+        <p:spPr/>
+        <p:txBody>
+          <a:bodyPr/>
+          <a:lstStyle/>
+          <a:p>
+            <a:endParaRPr lang="en-US"/>
+          </a:p>
+        </p:txBody>
+      </p:sp>
+    </p:spTree>
+    <p:extLst>
+      <p:ext uri="{BB962C8B-B14F-4D97-AF65-F5344CB8AC3E}">
+        <p14:creationId xmlns:p14="http://schemas.microsoft.com/office/powerpoint/2010/main" val="1799034658"/>
       </p:ext>
     </p:extLst>
   </p:cSld>
@@ -3556,7 +4105,7 @@
           <a:p>
             <a:r>
               <a:rPr lang="en-US" dirty="0"/>
-              <a:t>Introduction</a:t>
+              <a:t>Introduction </a:t>
             </a:r>
           </a:p>
         </p:txBody>
@@ -3577,12 +4126,76 @@
             <p:ph idx="1"/>
           </p:nvPr>
         </p:nvSpPr>
-        <p:spPr/>
-        <p:txBody>
-          <a:bodyPr/>
-          <a:lstStyle/>
-          <a:p>
-            <a:endParaRPr lang="en-US"/>
+        <p:spPr>
+          <a:xfrm>
+            <a:off x="769034" y="1690688"/>
+            <a:ext cx="9725464" cy="4414690"/>
+          </a:xfrm>
+        </p:spPr>
+        <p:txBody>
+          <a:bodyPr/>
+          <a:lstStyle/>
+          <a:p>
+            <a:r>
+              <a:rPr lang="en-US" dirty="0"/>
+              <a:t>What is Food Security? </a:t>
+            </a:r>
+          </a:p>
+          <a:p>
+            <a:r>
+              <a:rPr lang="en-US" dirty="0"/>
+              <a:t>Globally 821 people suffered from hunger in 2018 (UN).</a:t>
+            </a:r>
+          </a:p>
+          <a:p>
+            <a:r>
+              <a:rPr lang="en-US" dirty="0"/>
+              <a:t>Global population to feed by 2050: 9 Billion People.</a:t>
+            </a:r>
+          </a:p>
+          <a:p>
+            <a:r>
+              <a:rPr lang="en-US" dirty="0"/>
+              <a:t>Causes of food insecurity:</a:t>
+            </a:r>
+          </a:p>
+          <a:p>
+            <a:pPr lvl="1"/>
+            <a:r>
+              <a:rPr lang="en-US" dirty="0"/>
+              <a:t>Fast population  growth</a:t>
+            </a:r>
+          </a:p>
+          <a:p>
+            <a:pPr lvl="1"/>
+            <a:r>
+              <a:rPr lang="en-US" dirty="0"/>
+              <a:t>Climate change</a:t>
+            </a:r>
+          </a:p>
+          <a:p>
+            <a:pPr lvl="1"/>
+            <a:r>
+              <a:rPr lang="en-US" dirty="0"/>
+              <a:t>Water scarcity</a:t>
+            </a:r>
+          </a:p>
+          <a:p>
+            <a:pPr lvl="1"/>
+            <a:r>
+              <a:rPr lang="en-US" dirty="0"/>
+              <a:t>Higher costs of farming</a:t>
+            </a:r>
+          </a:p>
+          <a:p>
+            <a:pPr lvl="1"/>
+            <a:r>
+              <a:rPr lang="en-US" dirty="0"/>
+              <a:t>Political Instability</a:t>
+            </a:r>
+          </a:p>
+          <a:p>
+            <a:endParaRPr lang="en-US" dirty="0"/>
           </a:p>
         </p:txBody>
       </p:sp>
@@ -3621,7 +4234,7 @@
           <p:cNvPr id="2" name="Title 1">
             <a:extLst>
               <a:ext uri="{FF2B5EF4-FFF2-40B4-BE49-F238E27FC236}">
-                <a16:creationId xmlns:a16="http://schemas.microsoft.com/office/drawing/2014/main" id="{96088670-F351-477A-865B-D2AD262C9404}"/>
+                <a16:creationId xmlns:a16="http://schemas.microsoft.com/office/drawing/2014/main" id="{7A7E77BC-EB45-461A-B576-C05E55C7B6A3}"/>
               </a:ext>
             </a:extLst>
           </p:cNvPr>
@@ -3639,40 +4252,93 @@
           <a:p>
             <a:r>
               <a:rPr lang="en-US" dirty="0"/>
-              <a:t>Question and Methodology</a:t>
-            </a:r>
-          </a:p>
-        </p:txBody>
-      </p:sp>
-      <p:sp>
-        <p:nvSpPr>
-          <p:cNvPr id="3" name="Content Placeholder 2">
-            <a:extLst>
-              <a:ext uri="{FF2B5EF4-FFF2-40B4-BE49-F238E27FC236}">
-                <a16:creationId xmlns:a16="http://schemas.microsoft.com/office/drawing/2014/main" id="{79855C88-25C6-4C82-B490-F8BBFD910447}"/>
-              </a:ext>
-            </a:extLst>
-          </p:cNvPr>
-          <p:cNvSpPr>
-            <a:spLocks noGrp="1"/>
-          </p:cNvSpPr>
-          <p:nvPr>
-            <p:ph idx="1"/>
-          </p:nvPr>
-        </p:nvSpPr>
-        <p:spPr/>
-        <p:txBody>
-          <a:bodyPr/>
-          <a:lstStyle/>
-          <a:p>
-            <a:endParaRPr lang="en-US"/>
+              <a:t>Context</a:t>
+            </a:r>
+          </a:p>
+        </p:txBody>
+      </p:sp>
+      <p:sp>
+        <p:nvSpPr>
+          <p:cNvPr id="4" name="Rectangle 3">
+            <a:extLst>
+              <a:ext uri="{FF2B5EF4-FFF2-40B4-BE49-F238E27FC236}">
+                <a16:creationId xmlns:a16="http://schemas.microsoft.com/office/drawing/2014/main" id="{5DF8E308-45EF-4B9A-8B18-84367A6EB478}"/>
+              </a:ext>
+            </a:extLst>
+          </p:cNvPr>
+          <p:cNvSpPr/>
+          <p:nvPr/>
+        </p:nvSpPr>
+        <p:spPr>
+          <a:xfrm>
+            <a:off x="838200" y="1874729"/>
+            <a:ext cx="8305800" cy="2246769"/>
+          </a:xfrm>
+          <a:prstGeom prst="rect">
+            <a:avLst/>
+          </a:prstGeom>
+        </p:spPr>
+        <p:txBody>
+          <a:bodyPr wrap="square">
+            <a:spAutoFit/>
+          </a:bodyPr>
+          <a:lstStyle/>
+          <a:p>
+            <a:pPr marL="457200" indent="-457200">
+              <a:buFont typeface="Arial" panose="020B0604020202020204" pitchFamily="34" charset="0"/>
+              <a:buChar char="•"/>
+            </a:pPr>
+            <a:r>
+              <a:rPr lang="en-US" sz="2800" dirty="0"/>
+              <a:t>Policy makers committed to end hunger by 2030</a:t>
+            </a:r>
+          </a:p>
+          <a:p>
+            <a:pPr marL="914400" lvl="1" indent="-457200">
+              <a:buFont typeface="Courier New" panose="02070309020205020404" pitchFamily="49" charset="0"/>
+              <a:buChar char="o"/>
+            </a:pPr>
+            <a:r>
+              <a:rPr lang="en-US" sz="2800" dirty="0"/>
+              <a:t>Sustainable Development Goals</a:t>
+            </a:r>
+          </a:p>
+          <a:p>
+            <a:pPr marL="914400" lvl="1" indent="-457200">
+              <a:buFont typeface="Courier New" panose="02070309020205020404" pitchFamily="49" charset="0"/>
+              <a:buChar char="o"/>
+            </a:pPr>
+            <a:r>
+              <a:rPr lang="en-US" sz="2800" dirty="0"/>
+              <a:t>Zero Hunger Challenge</a:t>
+            </a:r>
+          </a:p>
+          <a:p>
+            <a:pPr marL="914400" lvl="1" indent="-457200">
+              <a:buFont typeface="Courier New" panose="02070309020205020404" pitchFamily="49" charset="0"/>
+              <a:buChar char="o"/>
+            </a:pPr>
+            <a:r>
+              <a:rPr lang="en-US" sz="2800" dirty="0"/>
+              <a:t>More investment into agricultural sector</a:t>
+            </a:r>
+          </a:p>
+          <a:p>
+            <a:pPr marL="914400" lvl="1" indent="-457200">
+              <a:buFont typeface="Courier New" panose="02070309020205020404" pitchFamily="49" charset="0"/>
+              <a:buChar char="o"/>
+            </a:pPr>
+            <a:r>
+              <a:rPr lang="en-US" sz="2800" dirty="0"/>
+              <a:t>Partnership among stakeholders &amp; Farmers</a:t>
+            </a:r>
           </a:p>
         </p:txBody>
       </p:sp>
     </p:spTree>
     <p:extLst>
       <p:ext uri="{BB962C8B-B14F-4D97-AF65-F5344CB8AC3E}">
-        <p14:creationId xmlns:p14="http://schemas.microsoft.com/office/powerpoint/2010/main" val="1228891465"/>
+        <p14:creationId xmlns:p14="http://schemas.microsoft.com/office/powerpoint/2010/main" val="1014302377"/>
       </p:ext>
     </p:extLst>
   </p:cSld>
@@ -3704,7 +4370,7 @@
           <p:cNvPr id="2" name="Title 1">
             <a:extLst>
               <a:ext uri="{FF2B5EF4-FFF2-40B4-BE49-F238E27FC236}">
-                <a16:creationId xmlns:a16="http://schemas.microsoft.com/office/drawing/2014/main" id="{F5A927F9-69CF-4BA7-B2FD-4FBA63A12AA1}"/>
+                <a16:creationId xmlns:a16="http://schemas.microsoft.com/office/drawing/2014/main" id="{96088670-F351-477A-865B-D2AD262C9404}"/>
               </a:ext>
             </a:extLst>
           </p:cNvPr>
@@ -3722,7 +4388,7 @@
           <a:p>
             <a:r>
               <a:rPr lang="en-US" dirty="0"/>
-              <a:t>Literature Review</a:t>
+              <a:t>Question &amp; Hypothesis</a:t>
             </a:r>
           </a:p>
         </p:txBody>
@@ -3732,7 +4398,7 @@
           <p:cNvPr id="3" name="Content Placeholder 2">
             <a:extLst>
               <a:ext uri="{FF2B5EF4-FFF2-40B4-BE49-F238E27FC236}">
-                <a16:creationId xmlns:a16="http://schemas.microsoft.com/office/drawing/2014/main" id="{5AFF247B-7EEB-49FD-9381-EE3065B16FD5}"/>
+                <a16:creationId xmlns:a16="http://schemas.microsoft.com/office/drawing/2014/main" id="{79855C88-25C6-4C82-B490-F8BBFD910447}"/>
               </a:ext>
             </a:extLst>
           </p:cNvPr>
@@ -3748,14 +4414,53 @@
           <a:bodyPr/>
           <a:lstStyle/>
           <a:p>
-            <a:endParaRPr lang="en-US"/>
+            <a:pPr marL="0" indent="0">
+              <a:buNone/>
+            </a:pPr>
+            <a:r>
+              <a:rPr lang="en-US" dirty="0"/>
+              <a:t>Question:</a:t>
+            </a:r>
+          </a:p>
+          <a:p>
+            <a:pPr marL="0" indent="0">
+              <a:buNone/>
+            </a:pPr>
+            <a:r>
+              <a:rPr lang="en-US" dirty="0"/>
+              <a:t>How does the source of net flows of agricultural capital flows influence the availability of food in countries of West Africa?</a:t>
+            </a:r>
+          </a:p>
+          <a:p>
+            <a:pPr marL="0" indent="0">
+              <a:buNone/>
+            </a:pPr>
+            <a:endParaRPr lang="en-US" dirty="0"/>
+          </a:p>
+          <a:p>
+            <a:pPr marL="0" indent="0">
+              <a:buNone/>
+            </a:pPr>
+            <a:r>
+              <a:rPr lang="en-US" dirty="0"/>
+              <a:t>Hypothesis:</a:t>
+            </a:r>
+          </a:p>
+          <a:p>
+            <a:pPr marL="0" indent="0">
+              <a:buNone/>
+            </a:pPr>
+            <a:endParaRPr lang="en-US" dirty="0"/>
+          </a:p>
+          <a:p>
+            <a:endParaRPr lang="en-US" dirty="0"/>
           </a:p>
         </p:txBody>
       </p:sp>
     </p:spTree>
     <p:extLst>
       <p:ext uri="{BB962C8B-B14F-4D97-AF65-F5344CB8AC3E}">
-        <p14:creationId xmlns:p14="http://schemas.microsoft.com/office/powerpoint/2010/main" val="3866724682"/>
+        <p14:creationId xmlns:p14="http://schemas.microsoft.com/office/powerpoint/2010/main" val="1228891465"/>
       </p:ext>
     </p:extLst>
   </p:cSld>
@@ -3787,7 +4492,7 @@
           <p:cNvPr id="2" name="Title 1">
             <a:extLst>
               <a:ext uri="{FF2B5EF4-FFF2-40B4-BE49-F238E27FC236}">
-                <a16:creationId xmlns:a16="http://schemas.microsoft.com/office/drawing/2014/main" id="{1855AA66-AC05-482B-BB59-15B04D99CD2D}"/>
+                <a16:creationId xmlns:a16="http://schemas.microsoft.com/office/drawing/2014/main" id="{35AB4C76-CFB0-4464-967C-4C75C6113CB7}"/>
               </a:ext>
             </a:extLst>
           </p:cNvPr>
@@ -3805,7 +4510,7 @@
           <a:p>
             <a:r>
               <a:rPr lang="en-US" dirty="0"/>
-              <a:t>Hypothesis</a:t>
+              <a:t>Methodology</a:t>
             </a:r>
           </a:p>
         </p:txBody>
@@ -3815,7 +4520,7 @@
           <p:cNvPr id="3" name="Content Placeholder 2">
             <a:extLst>
               <a:ext uri="{FF2B5EF4-FFF2-40B4-BE49-F238E27FC236}">
-                <a16:creationId xmlns:a16="http://schemas.microsoft.com/office/drawing/2014/main" id="{9BEE7F42-08C9-408F-94A7-E76CDDDD5E08}"/>
+                <a16:creationId xmlns:a16="http://schemas.microsoft.com/office/drawing/2014/main" id="{AE9E5BDB-40C5-4934-A5C4-282C33F692A1}"/>
               </a:ext>
             </a:extLst>
           </p:cNvPr>
@@ -3838,7 +4543,7 @@
     </p:spTree>
     <p:extLst>
       <p:ext uri="{BB962C8B-B14F-4D97-AF65-F5344CB8AC3E}">
-        <p14:creationId xmlns:p14="http://schemas.microsoft.com/office/powerpoint/2010/main" val="3903258726"/>
+        <p14:creationId xmlns:p14="http://schemas.microsoft.com/office/powerpoint/2010/main" val="3530152596"/>
       </p:ext>
     </p:extLst>
   </p:cSld>
@@ -3888,7 +4593,7 @@
           <a:p>
             <a:r>
               <a:rPr lang="en-US" dirty="0"/>
-              <a:t>Data</a:t>
+              <a:t>Data Description</a:t>
             </a:r>
           </a:p>
         </p:txBody>
@@ -3914,7 +4619,7 @@
           <a:bodyPr/>
           <a:lstStyle/>
           <a:p>
-            <a:endParaRPr lang="en-US"/>
+            <a:endParaRPr lang="en-US" dirty="0"/>
           </a:p>
         </p:txBody>
       </p:sp>
@@ -3953,7 +4658,7 @@
           <p:cNvPr id="2" name="Title 1">
             <a:extLst>
               <a:ext uri="{FF2B5EF4-FFF2-40B4-BE49-F238E27FC236}">
-                <a16:creationId xmlns:a16="http://schemas.microsoft.com/office/drawing/2014/main" id="{7464AAF4-35C7-4157-A0F3-F7DFB297EA35}"/>
+                <a16:creationId xmlns:a16="http://schemas.microsoft.com/office/drawing/2014/main" id="{3537955B-41F5-4A26-9D99-A2E6E53C5768}"/>
               </a:ext>
             </a:extLst>
           </p:cNvPr>
@@ -3964,47 +4669,88 @@
             <p:ph type="title"/>
           </p:nvPr>
         </p:nvSpPr>
-        <p:spPr/>
-        <p:txBody>
-          <a:bodyPr/>
-          <a:lstStyle/>
-          <a:p>
+        <p:spPr>
+          <a:xfrm>
+            <a:off x="0" y="116118"/>
+            <a:ext cx="10515600" cy="1325563"/>
+          </a:xfrm>
+        </p:spPr>
+        <p:txBody>
+          <a:bodyPr/>
+          <a:lstStyle/>
+          <a:p>
+            <a:pPr algn="ctr"/>
             <a:r>
               <a:rPr lang="en-US" dirty="0"/>
-              <a:t>Methodology</a:t>
-            </a:r>
-          </a:p>
-        </p:txBody>
-      </p:sp>
-      <p:sp>
-        <p:nvSpPr>
-          <p:cNvPr id="3" name="Content Placeholder 2">
-            <a:extLst>
-              <a:ext uri="{FF2B5EF4-FFF2-40B4-BE49-F238E27FC236}">
-                <a16:creationId xmlns:a16="http://schemas.microsoft.com/office/drawing/2014/main" id="{8C0F1239-4DC9-45EC-86B5-A7C99C54D1C3}"/>
-              </a:ext>
-            </a:extLst>
-          </p:cNvPr>
-          <p:cNvSpPr>
-            <a:spLocks noGrp="1"/>
-          </p:cNvSpPr>
-          <p:nvPr>
-            <p:ph idx="1"/>
-          </p:nvPr>
-        </p:nvSpPr>
-        <p:spPr/>
-        <p:txBody>
-          <a:bodyPr/>
-          <a:lstStyle/>
-          <a:p>
-            <a:endParaRPr lang="en-US"/>
-          </a:p>
-        </p:txBody>
-      </p:sp>
+              <a:t>            Agglomerative Cluster</a:t>
+            </a:r>
+          </a:p>
+        </p:txBody>
+      </p:sp>
+      <p:pic>
+        <p:nvPicPr>
+          <p:cNvPr id="7" name="Picture 6">
+            <a:extLst>
+              <a:ext uri="{FF2B5EF4-FFF2-40B4-BE49-F238E27FC236}">
+                <a16:creationId xmlns:a16="http://schemas.microsoft.com/office/drawing/2014/main" id="{B91C9DD7-3FAC-4EC7-8B18-BA0631A616DD}"/>
+              </a:ext>
+            </a:extLst>
+          </p:cNvPr>
+          <p:cNvPicPr>
+            <a:picLocks noChangeAspect="1"/>
+          </p:cNvPicPr>
+          <p:nvPr/>
+        </p:nvPicPr>
+        <p:blipFill>
+          <a:blip r:embed="rId2"/>
+          <a:stretch>
+            <a:fillRect/>
+          </a:stretch>
+        </p:blipFill>
+        <p:spPr>
+          <a:xfrm>
+            <a:off x="5918671" y="2082019"/>
+            <a:ext cx="5620714" cy="3981156"/>
+          </a:xfrm>
+          <a:prstGeom prst="rect">
+            <a:avLst/>
+          </a:prstGeom>
+        </p:spPr>
+      </p:pic>
+      <p:pic>
+        <p:nvPicPr>
+          <p:cNvPr id="10" name="Picture 9">
+            <a:extLst>
+              <a:ext uri="{FF2B5EF4-FFF2-40B4-BE49-F238E27FC236}">
+                <a16:creationId xmlns:a16="http://schemas.microsoft.com/office/drawing/2014/main" id="{43595EAC-9E50-47DB-8B0A-2EC8F34498C5}"/>
+              </a:ext>
+            </a:extLst>
+          </p:cNvPr>
+          <p:cNvPicPr>
+            <a:picLocks noChangeAspect="1"/>
+          </p:cNvPicPr>
+          <p:nvPr/>
+        </p:nvPicPr>
+        <p:blipFill>
+          <a:blip r:embed="rId3"/>
+          <a:stretch>
+            <a:fillRect/>
+          </a:stretch>
+        </p:blipFill>
+        <p:spPr>
+          <a:xfrm>
+            <a:off x="855081" y="2327568"/>
+            <a:ext cx="5081730" cy="3616032"/>
+          </a:xfrm>
+          <a:prstGeom prst="rect">
+            <a:avLst/>
+          </a:prstGeom>
+        </p:spPr>
+      </p:pic>
     </p:spTree>
     <p:extLst>
       <p:ext uri="{BB962C8B-B14F-4D97-AF65-F5344CB8AC3E}">
-        <p14:creationId xmlns:p14="http://schemas.microsoft.com/office/powerpoint/2010/main" val="3852425027"/>
+        <p14:creationId xmlns:p14="http://schemas.microsoft.com/office/powerpoint/2010/main" val="3413414776"/>
       </p:ext>
     </p:extLst>
   </p:cSld>
@@ -4036,7 +4782,7 @@
           <p:cNvPr id="2" name="Title 1">
             <a:extLst>
               <a:ext uri="{FF2B5EF4-FFF2-40B4-BE49-F238E27FC236}">
-                <a16:creationId xmlns:a16="http://schemas.microsoft.com/office/drawing/2014/main" id="{E8C39978-C640-406F-867C-0BF270B011BA}"/>
+                <a16:creationId xmlns:a16="http://schemas.microsoft.com/office/drawing/2014/main" id="{3537955B-41F5-4A26-9D99-A2E6E53C5768}"/>
               </a:ext>
             </a:extLst>
           </p:cNvPr>
@@ -4047,47 +4793,90 @@
             <p:ph type="title"/>
           </p:nvPr>
         </p:nvSpPr>
-        <p:spPr/>
-        <p:txBody>
-          <a:bodyPr/>
-          <a:lstStyle/>
-          <a:p>
+        <p:spPr>
+          <a:xfrm>
+            <a:off x="0" y="116118"/>
+            <a:ext cx="10515600" cy="1325563"/>
+          </a:xfrm>
+        </p:spPr>
+        <p:txBody>
+          <a:bodyPr/>
+          <a:lstStyle/>
+          <a:p>
+            <a:pPr algn="ctr"/>
             <a:r>
               <a:rPr lang="en-US" dirty="0"/>
-              <a:t>results</a:t>
-            </a:r>
-          </a:p>
-        </p:txBody>
-      </p:sp>
-      <p:sp>
-        <p:nvSpPr>
-          <p:cNvPr id="3" name="Content Placeholder 2">
-            <a:extLst>
-              <a:ext uri="{FF2B5EF4-FFF2-40B4-BE49-F238E27FC236}">
-                <a16:creationId xmlns:a16="http://schemas.microsoft.com/office/drawing/2014/main" id="{794DDCC2-E30D-483B-92C8-1DF5AC6A733B}"/>
-              </a:ext>
-            </a:extLst>
-          </p:cNvPr>
-          <p:cNvSpPr>
-            <a:spLocks noGrp="1"/>
-          </p:cNvSpPr>
+              <a:t>            Agglomerative Cluster</a:t>
+            </a:r>
+          </a:p>
+        </p:txBody>
+      </p:sp>
+      <p:pic>
+        <p:nvPicPr>
+          <p:cNvPr id="4" name="Content Placeholder 3">
+            <a:extLst>
+              <a:ext uri="{FF2B5EF4-FFF2-40B4-BE49-F238E27FC236}">
+                <a16:creationId xmlns:a16="http://schemas.microsoft.com/office/drawing/2014/main" id="{E25570F3-F7C7-452F-9203-1EDE9979C613}"/>
+              </a:ext>
+            </a:extLst>
+          </p:cNvPr>
+          <p:cNvPicPr>
+            <a:picLocks noGrp="1" noChangeAspect="1"/>
+          </p:cNvPicPr>
           <p:nvPr>
             <p:ph idx="1"/>
           </p:nvPr>
-        </p:nvSpPr>
-        <p:spPr/>
-        <p:txBody>
-          <a:bodyPr/>
-          <a:lstStyle/>
-          <a:p>
-            <a:endParaRPr lang="en-US"/>
-          </a:p>
-        </p:txBody>
-      </p:sp>
+        </p:nvPicPr>
+        <p:blipFill>
+          <a:blip r:embed="rId2"/>
+          <a:stretch>
+            <a:fillRect/>
+          </a:stretch>
+        </p:blipFill>
+        <p:spPr>
+          <a:xfrm>
+            <a:off x="6247943" y="1751762"/>
+            <a:ext cx="5231295" cy="4328386"/>
+          </a:xfrm>
+          <a:prstGeom prst="rect">
+            <a:avLst/>
+          </a:prstGeom>
+        </p:spPr>
+      </p:pic>
+      <p:pic>
+        <p:nvPicPr>
+          <p:cNvPr id="3" name="Picture 2">
+            <a:extLst>
+              <a:ext uri="{FF2B5EF4-FFF2-40B4-BE49-F238E27FC236}">
+                <a16:creationId xmlns:a16="http://schemas.microsoft.com/office/drawing/2014/main" id="{D42B79B7-A2A9-4D9E-8B54-D9601F4505AD}"/>
+              </a:ext>
+            </a:extLst>
+          </p:cNvPr>
+          <p:cNvPicPr>
+            <a:picLocks noChangeAspect="1"/>
+          </p:cNvPicPr>
+          <p:nvPr/>
+        </p:nvPicPr>
+        <p:blipFill>
+          <a:blip r:embed="rId3"/>
+          <a:stretch>
+            <a:fillRect/>
+          </a:stretch>
+        </p:blipFill>
+        <p:spPr>
+          <a:xfrm>
+            <a:off x="268627" y="1751762"/>
+            <a:ext cx="5935225" cy="4328386"/>
+          </a:xfrm>
+          <a:prstGeom prst="rect">
+            <a:avLst/>
+          </a:prstGeom>
+        </p:spPr>
+      </p:pic>
     </p:spTree>
     <p:extLst>
       <p:ext uri="{BB962C8B-B14F-4D97-AF65-F5344CB8AC3E}">
-        <p14:creationId xmlns:p14="http://schemas.microsoft.com/office/powerpoint/2010/main" val="4113702296"/>
+        <p14:creationId xmlns:p14="http://schemas.microsoft.com/office/powerpoint/2010/main" val="3864266765"/>
       </p:ext>
     </p:extLst>
   </p:cSld>
@@ -4119,7 +4908,7 @@
           <p:cNvPr id="2" name="Title 1">
             <a:extLst>
               <a:ext uri="{FF2B5EF4-FFF2-40B4-BE49-F238E27FC236}">
-                <a16:creationId xmlns:a16="http://schemas.microsoft.com/office/drawing/2014/main" id="{01558D2B-C9F1-459B-ACD5-B40B197D195D}"/>
+                <a16:creationId xmlns:a16="http://schemas.microsoft.com/office/drawing/2014/main" id="{3367BBCE-18F5-48CC-AB85-2730C37FB926}"/>
               </a:ext>
             </a:extLst>
           </p:cNvPr>
@@ -4135,9 +4924,10 @@
           <a:bodyPr/>
           <a:lstStyle/>
           <a:p>
+            <a:pPr algn="ctr"/>
             <a:r>
               <a:rPr lang="en-US" dirty="0"/>
-              <a:t>Conclusion and Recommendation</a:t>
+              <a:t>Cluster Analysis</a:t>
             </a:r>
           </a:p>
         </p:txBody>
@@ -4147,7 +4937,7 @@
           <p:cNvPr id="3" name="Content Placeholder 2">
             <a:extLst>
               <a:ext uri="{FF2B5EF4-FFF2-40B4-BE49-F238E27FC236}">
-                <a16:creationId xmlns:a16="http://schemas.microsoft.com/office/drawing/2014/main" id="{18B53D13-53FE-489C-822D-241F8A948A24}"/>
+                <a16:creationId xmlns:a16="http://schemas.microsoft.com/office/drawing/2014/main" id="{781ECC96-5849-4A6D-A83A-B03D248382DE}"/>
               </a:ext>
             </a:extLst>
           </p:cNvPr>
@@ -4163,14 +4953,17 @@
           <a:bodyPr/>
           <a:lstStyle/>
           <a:p>
-            <a:endParaRPr lang="en-US"/>
+            <a:r>
+              <a:rPr lang="en-US" dirty="0"/>
+              <a:t>Countries moved further apart from each other over the years of analysis. </a:t>
+            </a:r>
           </a:p>
         </p:txBody>
       </p:sp>
     </p:spTree>
     <p:extLst>
       <p:ext uri="{BB962C8B-B14F-4D97-AF65-F5344CB8AC3E}">
-        <p14:creationId xmlns:p14="http://schemas.microsoft.com/office/powerpoint/2010/main" val="1799034658"/>
+        <p14:creationId xmlns:p14="http://schemas.microsoft.com/office/powerpoint/2010/main" val="3836987233"/>
       </p:ext>
     </p:extLst>
   </p:cSld>
@@ -4473,4 +5266,299 @@
     </a:ext>
   </a:extLst>
 </a:theme>
+</file>
+
+<file path=ppt/theme/theme2.xml><?xml version="1.0" encoding="utf-8"?>
+<a:theme xmlns:a="http://schemas.openxmlformats.org/drawingml/2006/main" name="Office Theme">
+  <a:themeElements>
+    <a:clrScheme name="Office">
+      <a:dk1>
+        <a:sysClr val="windowText" lastClr="000000"/>
+      </a:dk1>
+      <a:lt1>
+        <a:sysClr val="window" lastClr="FFFFFF"/>
+      </a:lt1>
+      <a:dk2>
+        <a:srgbClr val="44546A"/>
+      </a:dk2>
+      <a:lt2>
+        <a:srgbClr val="E7E6E6"/>
+      </a:lt2>
+      <a:accent1>
+        <a:srgbClr val="4472C4"/>
+      </a:accent1>
+      <a:accent2>
+        <a:srgbClr val="ED7D31"/>
+      </a:accent2>
+      <a:accent3>
+        <a:srgbClr val="A5A5A5"/>
+      </a:accent3>
+      <a:accent4>
+        <a:srgbClr val="FFC000"/>
+      </a:accent4>
+      <a:accent5>
+        <a:srgbClr val="5B9BD5"/>
+      </a:accent5>
+      <a:accent6>
+        <a:srgbClr val="70AD47"/>
+      </a:accent6>
+      <a:hlink>
+        <a:srgbClr val="0563C1"/>
+      </a:hlink>
+      <a:folHlink>
+        <a:srgbClr val="954F72"/>
+      </a:folHlink>
+    </a:clrScheme>
+    <a:fontScheme name="Office">
+      <a:majorFont>
+        <a:latin typeface="Calibri Light" panose="020F0302020204030204"/>
+        <a:ea typeface=""/>
+        <a:cs typeface=""/>
+        <a:font script="Jpan" typeface="游ゴシック Light"/>
+        <a:font script="Hang" typeface="맑은 고딕"/>
+        <a:font script="Hans" typeface="等线 Light"/>
+        <a:font script="Hant" typeface="新細明體"/>
+        <a:font script="Arab" typeface="Times New Roman"/>
+        <a:font script="Hebr" typeface="Times New Roman"/>
+        <a:font script="Thai" typeface="Angsana New"/>
+        <a:font script="Ethi" typeface="Nyala"/>
+        <a:font script="Beng" typeface="Vrinda"/>
+        <a:font script="Gujr" typeface="Shruti"/>
+        <a:font script="Khmr" typeface="MoolBoran"/>
+        <a:font script="Knda" typeface="Tunga"/>
+        <a:font script="Guru" typeface="Raavi"/>
+        <a:font script="Cans" typeface="Euphemia"/>
+        <a:font script="Cher" typeface="Plantagenet Cherokee"/>
+        <a:font script="Yiii" typeface="Microsoft Yi Baiti"/>
+        <a:font script="Tibt" typeface="Microsoft Himalaya"/>
+        <a:font script="Thaa" typeface="MV Boli"/>
+        <a:font script="Deva" typeface="Mangal"/>
+        <a:font script="Telu" typeface="Gautami"/>
+        <a:font script="Taml" typeface="Latha"/>
+        <a:font script="Syrc" typeface="Estrangelo Edessa"/>
+        <a:font script="Orya" typeface="Kalinga"/>
+        <a:font script="Mlym" typeface="Kartika"/>
+        <a:font script="Laoo" typeface="DokChampa"/>
+        <a:font script="Sinh" typeface="Iskoola Pota"/>
+        <a:font script="Mong" typeface="Mongolian Baiti"/>
+        <a:font script="Viet" typeface="Times New Roman"/>
+        <a:font script="Uigh" typeface="Microsoft Uighur"/>
+        <a:font script="Geor" typeface="Sylfaen"/>
+        <a:font script="Armn" typeface="Arial"/>
+        <a:font script="Bugi" typeface="Leelawadee UI"/>
+        <a:font script="Bopo" typeface="Microsoft JhengHei"/>
+        <a:font script="Java" typeface="Javanese Text"/>
+        <a:font script="Lisu" typeface="Segoe UI"/>
+        <a:font script="Mymr" typeface="Myanmar Text"/>
+        <a:font script="Nkoo" typeface="Ebrima"/>
+        <a:font script="Olck" typeface="Nirmala UI"/>
+        <a:font script="Osma" typeface="Ebrima"/>
+        <a:font script="Phag" typeface="Phagspa"/>
+        <a:font script="Syrn" typeface="Estrangelo Edessa"/>
+        <a:font script="Syrj" typeface="Estrangelo Edessa"/>
+        <a:font script="Syre" typeface="Estrangelo Edessa"/>
+        <a:font script="Sora" typeface="Nirmala UI"/>
+        <a:font script="Tale" typeface="Microsoft Tai Le"/>
+        <a:font script="Talu" typeface="Microsoft New Tai Lue"/>
+        <a:font script="Tfng" typeface="Ebrima"/>
+      </a:majorFont>
+      <a:minorFont>
+        <a:latin typeface="Calibri" panose="020F0502020204030204"/>
+        <a:ea typeface=""/>
+        <a:cs typeface=""/>
+        <a:font script="Jpan" typeface="游ゴシック"/>
+        <a:font script="Hang" typeface="맑은 고딕"/>
+        <a:font script="Hans" typeface="等线"/>
+        <a:font script="Hant" typeface="新細明體"/>
+        <a:font script="Arab" typeface="Arial"/>
+        <a:font script="Hebr" typeface="Arial"/>
+        <a:font script="Thai" typeface="Cordia New"/>
+        <a:font script="Ethi" typeface="Nyala"/>
+        <a:font script="Beng" typeface="Vrinda"/>
+        <a:font script="Gujr" typeface="Shruti"/>
+        <a:font script="Khmr" typeface="DaunPenh"/>
+        <a:font script="Knda" typeface="Tunga"/>
+        <a:font script="Guru" typeface="Raavi"/>
+        <a:font script="Cans" typeface="Euphemia"/>
+        <a:font script="Cher" typeface="Plantagenet Cherokee"/>
+        <a:font script="Yiii" typeface="Microsoft Yi Baiti"/>
+        <a:font script="Tibt" typeface="Microsoft Himalaya"/>
+        <a:font script="Thaa" typeface="MV Boli"/>
+        <a:font script="Deva" typeface="Mangal"/>
+        <a:font script="Telu" typeface="Gautami"/>
+        <a:font script="Taml" typeface="Latha"/>
+        <a:font script="Syrc" typeface="Estrangelo Edessa"/>
+        <a:font script="Orya" typeface="Kalinga"/>
+        <a:font script="Mlym" typeface="Kartika"/>
+        <a:font script="Laoo" typeface="DokChampa"/>
+        <a:font script="Sinh" typeface="Iskoola Pota"/>
+        <a:font script="Mong" typeface="Mongolian Baiti"/>
+        <a:font script="Viet" typeface="Arial"/>
+        <a:font script="Uigh" typeface="Microsoft Uighur"/>
+        <a:font script="Geor" typeface="Sylfaen"/>
+        <a:font script="Armn" typeface="Arial"/>
+        <a:font script="Bugi" typeface="Leelawadee UI"/>
+        <a:font script="Bopo" typeface="Microsoft JhengHei"/>
+        <a:font script="Java" typeface="Javanese Text"/>
+        <a:font script="Lisu" typeface="Segoe UI"/>
+        <a:font script="Mymr" typeface="Myanmar Text"/>
+        <a:font script="Nkoo" typeface="Ebrima"/>
+        <a:font script="Olck" typeface="Nirmala UI"/>
+        <a:font script="Osma" typeface="Ebrima"/>
+        <a:font script="Phag" typeface="Phagspa"/>
+        <a:font script="Syrn" typeface="Estrangelo Edessa"/>
+        <a:font script="Syrj" typeface="Estrangelo Edessa"/>
+        <a:font script="Syre" typeface="Estrangelo Edessa"/>
+        <a:font script="Sora" typeface="Nirmala UI"/>
+        <a:font script="Tale" typeface="Microsoft Tai Le"/>
+        <a:font script="Talu" typeface="Microsoft New Tai Lue"/>
+        <a:font script="Tfng" typeface="Ebrima"/>
+      </a:minorFont>
+    </a:fontScheme>
+    <a:fmtScheme name="Office">
+      <a:fillStyleLst>
+        <a:solidFill>
+          <a:schemeClr val="phClr"/>
+        </a:solidFill>
+        <a:gradFill rotWithShape="1">
+          <a:gsLst>
+            <a:gs pos="0">
+              <a:schemeClr val="phClr">
+                <a:lumMod val="110000"/>
+                <a:satMod val="105000"/>
+                <a:tint val="67000"/>
+              </a:schemeClr>
+            </a:gs>
+            <a:gs pos="50000">
+              <a:schemeClr val="phClr">
+                <a:lumMod val="105000"/>
+                <a:satMod val="103000"/>
+                <a:tint val="73000"/>
+              </a:schemeClr>
+            </a:gs>
+            <a:gs pos="100000">
+              <a:schemeClr val="phClr">
+                <a:lumMod val="105000"/>
+                <a:satMod val="109000"/>
+                <a:tint val="81000"/>
+              </a:schemeClr>
+            </a:gs>
+          </a:gsLst>
+          <a:lin ang="5400000" scaled="0"/>
+        </a:gradFill>
+        <a:gradFill rotWithShape="1">
+          <a:gsLst>
+            <a:gs pos="0">
+              <a:schemeClr val="phClr">
+                <a:satMod val="103000"/>
+                <a:lumMod val="102000"/>
+                <a:tint val="94000"/>
+              </a:schemeClr>
+            </a:gs>
+            <a:gs pos="50000">
+              <a:schemeClr val="phClr">
+                <a:satMod val="110000"/>
+                <a:lumMod val="100000"/>
+                <a:shade val="100000"/>
+              </a:schemeClr>
+            </a:gs>
+            <a:gs pos="100000">
+              <a:schemeClr val="phClr">
+                <a:lumMod val="99000"/>
+                <a:satMod val="120000"/>
+                <a:shade val="78000"/>
+              </a:schemeClr>
+            </a:gs>
+          </a:gsLst>
+          <a:lin ang="5400000" scaled="0"/>
+        </a:gradFill>
+      </a:fillStyleLst>
+      <a:lnStyleLst>
+        <a:ln w="6350" cap="flat" cmpd="sng" algn="ctr">
+          <a:solidFill>
+            <a:schemeClr val="phClr"/>
+          </a:solidFill>
+          <a:prstDash val="solid"/>
+          <a:miter lim="800000"/>
+        </a:ln>
+        <a:ln w="12700" cap="flat" cmpd="sng" algn="ctr">
+          <a:solidFill>
+            <a:schemeClr val="phClr"/>
+          </a:solidFill>
+          <a:prstDash val="solid"/>
+          <a:miter lim="800000"/>
+        </a:ln>
+        <a:ln w="19050" cap="flat" cmpd="sng" algn="ctr">
+          <a:solidFill>
+            <a:schemeClr val="phClr"/>
+          </a:solidFill>
+          <a:prstDash val="solid"/>
+          <a:miter lim="800000"/>
+        </a:ln>
+      </a:lnStyleLst>
+      <a:effectStyleLst>
+        <a:effectStyle>
+          <a:effectLst/>
+        </a:effectStyle>
+        <a:effectStyle>
+          <a:effectLst/>
+        </a:effectStyle>
+        <a:effectStyle>
+          <a:effectLst>
+            <a:outerShdw blurRad="57150" dist="19050" dir="5400000" algn="ctr" rotWithShape="0">
+              <a:srgbClr val="000000">
+                <a:alpha val="63000"/>
+              </a:srgbClr>
+            </a:outerShdw>
+          </a:effectLst>
+        </a:effectStyle>
+      </a:effectStyleLst>
+      <a:bgFillStyleLst>
+        <a:solidFill>
+          <a:schemeClr val="phClr"/>
+        </a:solidFill>
+        <a:solidFill>
+          <a:schemeClr val="phClr">
+            <a:tint val="95000"/>
+            <a:satMod val="170000"/>
+          </a:schemeClr>
+        </a:solidFill>
+        <a:gradFill rotWithShape="1">
+          <a:gsLst>
+            <a:gs pos="0">
+              <a:schemeClr val="phClr">
+                <a:tint val="93000"/>
+                <a:satMod val="150000"/>
+                <a:shade val="98000"/>
+                <a:lumMod val="102000"/>
+              </a:schemeClr>
+            </a:gs>
+            <a:gs pos="50000">
+              <a:schemeClr val="phClr">
+                <a:tint val="98000"/>
+                <a:satMod val="130000"/>
+                <a:shade val="90000"/>
+                <a:lumMod val="103000"/>
+              </a:schemeClr>
+            </a:gs>
+            <a:gs pos="100000">
+              <a:schemeClr val="phClr">
+                <a:shade val="63000"/>
+                <a:satMod val="120000"/>
+              </a:schemeClr>
+            </a:gs>
+          </a:gsLst>
+          <a:lin ang="5400000" scaled="0"/>
+        </a:gradFill>
+      </a:bgFillStyleLst>
+    </a:fmtScheme>
+  </a:themeElements>
+  <a:objectDefaults/>
+  <a:extraClrSchemeLst/>
+  <a:extLst>
+    <a:ext uri="{05A4C25C-085E-4340-85A3-A5531E510DB2}">
+      <thm15:themeFamily xmlns:thm15="http://schemas.microsoft.com/office/thememl/2012/main" name="Office Theme" id="{62F939B6-93AF-4DB8-9C6B-D6C7DFDC589F}" vid="{4A3C46E8-61CC-4603-A589-7422A47A8E4A}"/>
+    </a:ext>
+  </a:extLst>
+</a:theme>
 </file>